--- a/poster_design_alt.pptx
+++ b/poster_design_alt.pptx
@@ -243,7 +243,7 @@
           <a:p>
             <a:fld id="{5736D403-ED8F-CF40-BFFA-6ACA6605138C}" type="datetimeFigureOut">
               <a:rPr lang="en-US" smtClean="0"/>
-              <a:t>2/24/20</a:t>
+              <a:t>2/25/20</a:t>
             </a:fld>
             <a:endParaRPr lang="en-US"/>
           </a:p>
@@ -413,7 +413,7 @@
           <a:p>
             <a:fld id="{5736D403-ED8F-CF40-BFFA-6ACA6605138C}" type="datetimeFigureOut">
               <a:rPr lang="en-US" smtClean="0"/>
-              <a:t>2/24/20</a:t>
+              <a:t>2/25/20</a:t>
             </a:fld>
             <a:endParaRPr lang="en-US"/>
           </a:p>
@@ -593,7 +593,7 @@
           <a:p>
             <a:fld id="{5736D403-ED8F-CF40-BFFA-6ACA6605138C}" type="datetimeFigureOut">
               <a:rPr lang="en-US" smtClean="0"/>
-              <a:t>2/24/20</a:t>
+              <a:t>2/25/20</a:t>
             </a:fld>
             <a:endParaRPr lang="en-US"/>
           </a:p>
@@ -763,7 +763,7 @@
           <a:p>
             <a:fld id="{5736D403-ED8F-CF40-BFFA-6ACA6605138C}" type="datetimeFigureOut">
               <a:rPr lang="en-US" smtClean="0"/>
-              <a:t>2/24/20</a:t>
+              <a:t>2/25/20</a:t>
             </a:fld>
             <a:endParaRPr lang="en-US"/>
           </a:p>
@@ -1007,7 +1007,7 @@
           <a:p>
             <a:fld id="{5736D403-ED8F-CF40-BFFA-6ACA6605138C}" type="datetimeFigureOut">
               <a:rPr lang="en-US" smtClean="0"/>
-              <a:t>2/24/20</a:t>
+              <a:t>2/25/20</a:t>
             </a:fld>
             <a:endParaRPr lang="en-US"/>
           </a:p>
@@ -1239,7 +1239,7 @@
           <a:p>
             <a:fld id="{5736D403-ED8F-CF40-BFFA-6ACA6605138C}" type="datetimeFigureOut">
               <a:rPr lang="en-US" smtClean="0"/>
-              <a:t>2/24/20</a:t>
+              <a:t>2/25/20</a:t>
             </a:fld>
             <a:endParaRPr lang="en-US"/>
           </a:p>
@@ -1606,7 +1606,7 @@
           <a:p>
             <a:fld id="{5736D403-ED8F-CF40-BFFA-6ACA6605138C}" type="datetimeFigureOut">
               <a:rPr lang="en-US" smtClean="0"/>
-              <a:t>2/24/20</a:t>
+              <a:t>2/25/20</a:t>
             </a:fld>
             <a:endParaRPr lang="en-US"/>
           </a:p>
@@ -1724,7 +1724,7 @@
           <a:p>
             <a:fld id="{5736D403-ED8F-CF40-BFFA-6ACA6605138C}" type="datetimeFigureOut">
               <a:rPr lang="en-US" smtClean="0"/>
-              <a:t>2/24/20</a:t>
+              <a:t>2/25/20</a:t>
             </a:fld>
             <a:endParaRPr lang="en-US"/>
           </a:p>
@@ -1819,7 +1819,7 @@
           <a:p>
             <a:fld id="{5736D403-ED8F-CF40-BFFA-6ACA6605138C}" type="datetimeFigureOut">
               <a:rPr lang="en-US" smtClean="0"/>
-              <a:t>2/24/20</a:t>
+              <a:t>2/25/20</a:t>
             </a:fld>
             <a:endParaRPr lang="en-US"/>
           </a:p>
@@ -2096,7 +2096,7 @@
           <a:p>
             <a:fld id="{5736D403-ED8F-CF40-BFFA-6ACA6605138C}" type="datetimeFigureOut">
               <a:rPr lang="en-US" smtClean="0"/>
-              <a:t>2/24/20</a:t>
+              <a:t>2/25/20</a:t>
             </a:fld>
             <a:endParaRPr lang="en-US"/>
           </a:p>
@@ -2353,7 +2353,7 @@
           <a:p>
             <a:fld id="{5736D403-ED8F-CF40-BFFA-6ACA6605138C}" type="datetimeFigureOut">
               <a:rPr lang="en-US" smtClean="0"/>
-              <a:t>2/24/20</a:t>
+              <a:t>2/25/20</a:t>
             </a:fld>
             <a:endParaRPr lang="en-US"/>
           </a:p>
@@ -2566,7 +2566,7 @@
           <a:p>
             <a:fld id="{5736D403-ED8F-CF40-BFFA-6ACA6605138C}" type="datetimeFigureOut">
               <a:rPr lang="en-US" smtClean="0"/>
-              <a:t>2/24/20</a:t>
+              <a:t>2/25/20</a:t>
             </a:fld>
             <a:endParaRPr lang="en-US"/>
           </a:p>
@@ -3143,7 +3143,7 @@
         <p:spPr>
           <a:xfrm>
             <a:off x="-78548" y="6327160"/>
-            <a:ext cx="43969748" cy="1938992"/>
+            <a:ext cx="43969748" cy="3170099"/>
           </a:xfrm>
           <a:prstGeom prst="rect">
             <a:avLst/>
@@ -3165,7 +3165,7 @@
           <a:p>
             <a:pPr algn="just"/>
             <a:r>
-              <a:rPr lang="en-US" sz="4000" dirty="0">
+              <a:rPr lang="en-US" sz="5000" dirty="0">
                 <a:solidFill>
                   <a:schemeClr val="bg1"/>
                 </a:solidFill>
@@ -3189,8 +3189,8 @@
         </p:nvSpPr>
         <p:spPr>
           <a:xfrm>
-            <a:off x="-76201" y="9063311"/>
-            <a:ext cx="11975690" cy="3170099"/>
+            <a:off x="-76201" y="11136199"/>
+            <a:ext cx="11975690" cy="3939540"/>
           </a:xfrm>
           <a:prstGeom prst="rect">
             <a:avLst/>
@@ -3211,7 +3211,7 @@
           <a:lstStyle/>
           <a:p>
             <a:r>
-              <a:rPr lang="en-US" sz="4000" dirty="0">
+              <a:rPr lang="en-US" sz="5000" dirty="0">
                 <a:solidFill>
                   <a:schemeClr val="bg1"/>
                 </a:solidFill>
@@ -3225,7 +3225,7 @@
               <a:buChar char="•"/>
             </a:pPr>
             <a:r>
-              <a:rPr lang="en-US" sz="4000" dirty="0">
+              <a:rPr lang="en-US" sz="5000" dirty="0">
                 <a:solidFill>
                   <a:schemeClr val="bg1"/>
                 </a:solidFill>
@@ -3239,7 +3239,7 @@
               <a:buChar char="•"/>
             </a:pPr>
             <a:r>
-              <a:rPr lang="en-US" sz="4000" dirty="0">
+              <a:rPr lang="en-US" sz="5000" dirty="0">
                 <a:solidFill>
                   <a:schemeClr val="bg1"/>
                 </a:solidFill>
@@ -3253,7 +3253,7 @@
               <a:buChar char="•"/>
             </a:pPr>
             <a:r>
-              <a:rPr lang="en-US" sz="4000" dirty="0">
+              <a:rPr lang="en-US" sz="5000" dirty="0">
                 <a:solidFill>
                   <a:schemeClr val="bg1"/>
                 </a:solidFill>
@@ -3267,7 +3267,7 @@
               <a:buChar char="•"/>
             </a:pPr>
             <a:r>
-              <a:rPr lang="en-US" sz="4000" dirty="0">
+              <a:rPr lang="en-US" sz="5000" dirty="0">
                 <a:solidFill>
                   <a:schemeClr val="bg1"/>
                 </a:solidFill>
@@ -3291,8 +3291,8 @@
         </p:nvSpPr>
         <p:spPr>
           <a:xfrm>
-            <a:off x="-76201" y="17789515"/>
-            <a:ext cx="11975690" cy="3131627"/>
+            <a:off x="-80896" y="16243363"/>
+            <a:ext cx="11975690" cy="4708981"/>
           </a:xfrm>
           <a:prstGeom prst="rect">
             <a:avLst/>
@@ -3313,7 +3313,7 @@
           <a:lstStyle/>
           <a:p>
             <a:r>
-              <a:rPr lang="en-US" sz="3950" dirty="0">
+              <a:rPr lang="en-US" sz="5000" dirty="0">
                 <a:solidFill>
                   <a:schemeClr val="bg1"/>
                 </a:solidFill>
@@ -3327,7 +3327,7 @@
               <a:buChar char="•"/>
             </a:pPr>
             <a:r>
-              <a:rPr lang="en-US" sz="3950" dirty="0">
+              <a:rPr lang="en-US" sz="5000" dirty="0">
                 <a:solidFill>
                   <a:schemeClr val="bg1"/>
                 </a:solidFill>
@@ -3341,7 +3341,7 @@
               <a:buChar char="•"/>
             </a:pPr>
             <a:r>
-              <a:rPr lang="en-US" sz="3950" dirty="0">
+              <a:rPr lang="en-US" sz="5000" dirty="0">
                 <a:solidFill>
                   <a:schemeClr val="bg1"/>
                 </a:solidFill>
@@ -3355,7 +3355,7 @@
               <a:buChar char="•"/>
             </a:pPr>
             <a:r>
-              <a:rPr lang="en-US" sz="3950" dirty="0">
+              <a:rPr lang="en-US" sz="5000" dirty="0">
                 <a:solidFill>
                   <a:schemeClr val="bg1"/>
                 </a:solidFill>
@@ -3369,7 +3369,7 @@
               <a:buChar char="•"/>
             </a:pPr>
             <a:r>
-              <a:rPr lang="en-US" sz="3950" dirty="0">
+              <a:rPr lang="en-US" sz="5000" dirty="0">
                 <a:solidFill>
                   <a:schemeClr val="bg1"/>
                 </a:solidFill>
@@ -3401,7 +3401,7 @@
         </p:blipFill>
         <p:spPr>
           <a:xfrm>
-            <a:off x="12456354" y="8589908"/>
+            <a:off x="12496802" y="9805233"/>
             <a:ext cx="18897596" cy="14173200"/>
           </a:xfrm>
           <a:prstGeom prst="rect">
@@ -3439,568 +3439,6 @@
           </a:prstGeom>
         </p:spPr>
       </p:pic>
-      <p:graphicFrame>
-        <p:nvGraphicFramePr>
-          <p:cNvPr id="20" name="Table 19">
-            <a:extLst>
-              <a:ext uri="{FF2B5EF4-FFF2-40B4-BE49-F238E27FC236}">
-                <a16:creationId xmlns:a16="http://schemas.microsoft.com/office/drawing/2014/main" id="{BDCE982E-E0C4-5E48-8C0F-9D209D965E7D}"/>
-              </a:ext>
-            </a:extLst>
-          </p:cNvPr>
-          <p:cNvGraphicFramePr>
-            <a:graphicFrameLocks noGrp="1"/>
-          </p:cNvGraphicFramePr>
-          <p:nvPr>
-            <p:extLst>
-              <p:ext uri="{D42A27DB-BD31-4B8C-83A1-F6EECF244321}">
-                <p14:modId xmlns:p14="http://schemas.microsoft.com/office/powerpoint/2010/main" val="2234170211"/>
-              </p:ext>
-            </p:extLst>
-          </p:nvPr>
-        </p:nvGraphicFramePr>
-        <p:xfrm>
-          <a:off x="0" y="13163319"/>
-          <a:ext cx="11899492" cy="3517554"/>
-        </p:xfrm>
-        <a:graphic>
-          <a:graphicData uri="http://schemas.openxmlformats.org/drawingml/2006/table">
-            <a:tbl>
-              <a:tblPr>
-                <a:tableStyleId>{5C22544A-7EE6-4342-B048-85BDC9FD1C3A}</a:tableStyleId>
-              </a:tblPr>
-              <a:tblGrid>
-                <a:gridCol w="2077332">
-                  <a:extLst>
-                    <a:ext uri="{9D8B030D-6E8A-4147-A177-3AD203B41FA5}">
-                      <a16:colId xmlns:a16="http://schemas.microsoft.com/office/drawing/2014/main" val="2279035726"/>
-                    </a:ext>
-                  </a:extLst>
-                </a:gridCol>
-                <a:gridCol w="1964432">
-                  <a:extLst>
-                    <a:ext uri="{9D8B030D-6E8A-4147-A177-3AD203B41FA5}">
-                      <a16:colId xmlns:a16="http://schemas.microsoft.com/office/drawing/2014/main" val="3012322150"/>
-                    </a:ext>
-                  </a:extLst>
-                </a:gridCol>
-                <a:gridCol w="1964432">
-                  <a:extLst>
-                    <a:ext uri="{9D8B030D-6E8A-4147-A177-3AD203B41FA5}">
-                      <a16:colId xmlns:a16="http://schemas.microsoft.com/office/drawing/2014/main" val="1843988582"/>
-                    </a:ext>
-                  </a:extLst>
-                </a:gridCol>
-                <a:gridCol w="1964432">
-                  <a:extLst>
-                    <a:ext uri="{9D8B030D-6E8A-4147-A177-3AD203B41FA5}">
-                      <a16:colId xmlns:a16="http://schemas.microsoft.com/office/drawing/2014/main" val="761321189"/>
-                    </a:ext>
-                  </a:extLst>
-                </a:gridCol>
-                <a:gridCol w="1964432">
-                  <a:extLst>
-                    <a:ext uri="{9D8B030D-6E8A-4147-A177-3AD203B41FA5}">
-                      <a16:colId xmlns:a16="http://schemas.microsoft.com/office/drawing/2014/main" val="15119741"/>
-                    </a:ext>
-                  </a:extLst>
-                </a:gridCol>
-                <a:gridCol w="1964432">
-                  <a:extLst>
-                    <a:ext uri="{9D8B030D-6E8A-4147-A177-3AD203B41FA5}">
-                      <a16:colId xmlns:a16="http://schemas.microsoft.com/office/drawing/2014/main" val="1573583960"/>
-                    </a:ext>
-                  </a:extLst>
-                </a:gridCol>
-              </a:tblGrid>
-              <a:tr h="1011910">
-                <a:tc>
-                  <a:txBody>
-                    <a:bodyPr/>
-                    <a:lstStyle/>
-                    <a:p>
-                      <a:pPr algn="ctr" fontAlgn="b"/>
-                      <a:endParaRPr lang="en-US" sz="4000" b="0" i="0" u="none" strike="noStrike" dirty="0">
-                        <a:solidFill>
-                          <a:srgbClr val="000000"/>
-                        </a:solidFill>
-                        <a:effectLst/>
-                        <a:latin typeface="Calibri" panose="020F0502020204030204" pitchFamily="34" charset="0"/>
-                        <a:cs typeface="Calibri" panose="020F0502020204030204" pitchFamily="34" charset="0"/>
-                      </a:endParaRPr>
-                    </a:p>
-                  </a:txBody>
-                  <a:tcPr marL="19050" marR="19050" marT="19050" marB="0" anchor="b"/>
-                </a:tc>
-                <a:tc>
-                  <a:txBody>
-                    <a:bodyPr/>
-                    <a:lstStyle/>
-                    <a:p>
-                      <a:pPr algn="ctr" fontAlgn="b"/>
-                      <a:r>
-                        <a:rPr lang="en-US" sz="4000" u="none" strike="noStrike" dirty="0">
-                          <a:effectLst/>
-                          <a:latin typeface="Calibri" panose="020F0502020204030204" pitchFamily="34" charset="0"/>
-                          <a:cs typeface="Calibri" panose="020F0502020204030204" pitchFamily="34" charset="0"/>
-                        </a:rPr>
-                        <a:t>rbf</a:t>
-                      </a:r>
-                      <a:endParaRPr lang="en-US" sz="4000" b="0" i="0" u="none" strike="noStrike" dirty="0">
-                        <a:solidFill>
-                          <a:srgbClr val="000000"/>
-                        </a:solidFill>
-                        <a:effectLst/>
-                        <a:latin typeface="Calibri" panose="020F0502020204030204" pitchFamily="34" charset="0"/>
-                        <a:cs typeface="Calibri" panose="020F0502020204030204" pitchFamily="34" charset="0"/>
-                      </a:endParaRPr>
-                    </a:p>
-                  </a:txBody>
-                  <a:tcPr marL="19050" marR="19050" marT="19050" marB="0" anchor="b"/>
-                </a:tc>
-                <a:tc>
-                  <a:txBody>
-                    <a:bodyPr/>
-                    <a:lstStyle/>
-                    <a:p>
-                      <a:pPr algn="ctr" fontAlgn="b"/>
-                      <a:r>
-                        <a:rPr lang="en-US" sz="4000" u="none" strike="noStrike">
-                          <a:effectLst/>
-                          <a:latin typeface="Calibri" panose="020F0502020204030204" pitchFamily="34" charset="0"/>
-                          <a:cs typeface="Calibri" panose="020F0502020204030204" pitchFamily="34" charset="0"/>
-                        </a:rPr>
-                        <a:t>poly 3</a:t>
-                      </a:r>
-                      <a:endParaRPr lang="en-US" sz="4000" b="0" i="0" u="none" strike="noStrike">
-                        <a:solidFill>
-                          <a:srgbClr val="000000"/>
-                        </a:solidFill>
-                        <a:effectLst/>
-                        <a:latin typeface="Calibri" panose="020F0502020204030204" pitchFamily="34" charset="0"/>
-                        <a:cs typeface="Calibri" panose="020F0502020204030204" pitchFamily="34" charset="0"/>
-                      </a:endParaRPr>
-                    </a:p>
-                  </a:txBody>
-                  <a:tcPr marL="19050" marR="19050" marT="19050" marB="0" anchor="b"/>
-                </a:tc>
-                <a:tc>
-                  <a:txBody>
-                    <a:bodyPr/>
-                    <a:lstStyle/>
-                    <a:p>
-                      <a:pPr algn="ctr" fontAlgn="b"/>
-                      <a:r>
-                        <a:rPr lang="en-US" sz="4000" u="none" strike="noStrike" dirty="0">
-                          <a:effectLst/>
-                          <a:latin typeface="Calibri" panose="020F0502020204030204" pitchFamily="34" charset="0"/>
-                          <a:cs typeface="Calibri" panose="020F0502020204030204" pitchFamily="34" charset="0"/>
-                        </a:rPr>
-                        <a:t>poly 6</a:t>
-                      </a:r>
-                      <a:endParaRPr lang="en-US" sz="4000" b="0" i="0" u="none" strike="noStrike" dirty="0">
-                        <a:solidFill>
-                          <a:srgbClr val="000000"/>
-                        </a:solidFill>
-                        <a:effectLst/>
-                        <a:latin typeface="Calibri" panose="020F0502020204030204" pitchFamily="34" charset="0"/>
-                        <a:cs typeface="Calibri" panose="020F0502020204030204" pitchFamily="34" charset="0"/>
-                      </a:endParaRPr>
-                    </a:p>
-                  </a:txBody>
-                  <a:tcPr marL="19050" marR="19050" marT="19050" marB="0" anchor="b"/>
-                </a:tc>
-                <a:tc>
-                  <a:txBody>
-                    <a:bodyPr/>
-                    <a:lstStyle/>
-                    <a:p>
-                      <a:pPr algn="ctr" fontAlgn="b"/>
-                      <a:r>
-                        <a:rPr lang="en-US" sz="4000" u="none" strike="noStrike">
-                          <a:effectLst/>
-                          <a:latin typeface="Calibri" panose="020F0502020204030204" pitchFamily="34" charset="0"/>
-                          <a:cs typeface="Calibri" panose="020F0502020204030204" pitchFamily="34" charset="0"/>
-                        </a:rPr>
-                        <a:t>linear</a:t>
-                      </a:r>
-                      <a:endParaRPr lang="en-US" sz="4000" b="0" i="0" u="none" strike="noStrike">
-                        <a:solidFill>
-                          <a:srgbClr val="000000"/>
-                        </a:solidFill>
-                        <a:effectLst/>
-                        <a:latin typeface="Calibri" panose="020F0502020204030204" pitchFamily="34" charset="0"/>
-                        <a:cs typeface="Calibri" panose="020F0502020204030204" pitchFamily="34" charset="0"/>
-                      </a:endParaRPr>
-                    </a:p>
-                  </a:txBody>
-                  <a:tcPr marL="19050" marR="19050" marT="19050" marB="0" anchor="b"/>
-                </a:tc>
-                <a:tc>
-                  <a:txBody>
-                    <a:bodyPr/>
-                    <a:lstStyle/>
-                    <a:p>
-                      <a:pPr algn="ctr" fontAlgn="b"/>
-                      <a:r>
-                        <a:rPr lang="en-US" sz="4000" u="none" strike="noStrike">
-                          <a:effectLst/>
-                          <a:latin typeface="Calibri" panose="020F0502020204030204" pitchFamily="34" charset="0"/>
-                          <a:cs typeface="Calibri" panose="020F0502020204030204" pitchFamily="34" charset="0"/>
-                        </a:rPr>
-                        <a:t>sigmoid</a:t>
-                      </a:r>
-                      <a:endParaRPr lang="en-US" sz="4000" b="0" i="0" u="none" strike="noStrike">
-                        <a:solidFill>
-                          <a:srgbClr val="000000"/>
-                        </a:solidFill>
-                        <a:effectLst/>
-                        <a:latin typeface="Calibri" panose="020F0502020204030204" pitchFamily="34" charset="0"/>
-                        <a:cs typeface="Calibri" panose="020F0502020204030204" pitchFamily="34" charset="0"/>
-                      </a:endParaRPr>
-                    </a:p>
-                  </a:txBody>
-                  <a:tcPr marL="19050" marR="19050" marT="19050" marB="0" anchor="b"/>
-                </a:tc>
-                <a:extLst>
-                  <a:ext uri="{0D108BD9-81ED-4DB2-BD59-A6C34878D82A}">
-                    <a16:rowId xmlns:a16="http://schemas.microsoft.com/office/drawing/2014/main" val="2184682174"/>
-                  </a:ext>
-                </a:extLst>
-              </a:tr>
-              <a:tr h="1252822">
-                <a:tc>
-                  <a:txBody>
-                    <a:bodyPr/>
-                    <a:lstStyle/>
-                    <a:p>
-                      <a:pPr algn="ctr" fontAlgn="b"/>
-                      <a:r>
-                        <a:rPr lang="en-US" sz="4000" u="none" strike="noStrike">
-                          <a:effectLst/>
-                          <a:latin typeface="Calibri" panose="020F0502020204030204" pitchFamily="34" charset="0"/>
-                          <a:cs typeface="Calibri" panose="020F0502020204030204" pitchFamily="34" charset="0"/>
-                        </a:rPr>
-                        <a:t>auto gamma</a:t>
-                      </a:r>
-                      <a:endParaRPr lang="en-US" sz="4000" b="0" i="0" u="none" strike="noStrike">
-                        <a:solidFill>
-                          <a:srgbClr val="000000"/>
-                        </a:solidFill>
-                        <a:effectLst/>
-                        <a:latin typeface="Calibri" panose="020F0502020204030204" pitchFamily="34" charset="0"/>
-                        <a:cs typeface="Calibri" panose="020F0502020204030204" pitchFamily="34" charset="0"/>
-                      </a:endParaRPr>
-                    </a:p>
-                  </a:txBody>
-                  <a:tcPr marL="19050" marR="19050" marT="19050" marB="0" anchor="b"/>
-                </a:tc>
-                <a:tc>
-                  <a:txBody>
-                    <a:bodyPr/>
-                    <a:lstStyle/>
-                    <a:p>
-                      <a:pPr algn="ctr" fontAlgn="b"/>
-                      <a:r>
-                        <a:rPr lang="en-US" sz="4000" u="none" strike="noStrike" dirty="0">
-                          <a:solidFill>
-                            <a:srgbClr val="FF0000"/>
-                          </a:solidFill>
-                          <a:effectLst/>
-                          <a:latin typeface="Calibri" panose="020F0502020204030204" pitchFamily="34" charset="0"/>
-                          <a:cs typeface="Calibri" panose="020F0502020204030204" pitchFamily="34" charset="0"/>
-                        </a:rPr>
-                        <a:t>89.6059</a:t>
-                      </a:r>
-                      <a:endParaRPr lang="en-US" sz="4000" b="0" i="0" u="none" strike="noStrike" dirty="0">
-                        <a:solidFill>
-                          <a:srgbClr val="FF0000"/>
-                        </a:solidFill>
-                        <a:effectLst/>
-                        <a:latin typeface="Calibri" panose="020F0502020204030204" pitchFamily="34" charset="0"/>
-                        <a:cs typeface="Calibri" panose="020F0502020204030204" pitchFamily="34" charset="0"/>
-                      </a:endParaRPr>
-                    </a:p>
-                  </a:txBody>
-                  <a:tcPr marL="19050" marR="19050" marT="19050" marB="0" anchor="b"/>
-                </a:tc>
-                <a:tc>
-                  <a:txBody>
-                    <a:bodyPr/>
-                    <a:lstStyle/>
-                    <a:p>
-                      <a:pPr algn="ctr" fontAlgn="b"/>
-                      <a:r>
-                        <a:rPr lang="en-US" sz="4000" u="none" strike="noStrike" dirty="0">
-                          <a:effectLst/>
-                          <a:latin typeface="Calibri" panose="020F0502020204030204" pitchFamily="34" charset="0"/>
-                          <a:cs typeface="Calibri" panose="020F0502020204030204" pitchFamily="34" charset="0"/>
-                        </a:rPr>
-                        <a:t>85.7763</a:t>
-                      </a:r>
-                      <a:endParaRPr lang="en-US" sz="4000" b="0" i="0" u="none" strike="noStrike" dirty="0">
-                        <a:solidFill>
-                          <a:srgbClr val="000000"/>
-                        </a:solidFill>
-                        <a:effectLst/>
-                        <a:latin typeface="Calibri" panose="020F0502020204030204" pitchFamily="34" charset="0"/>
-                        <a:cs typeface="Calibri" panose="020F0502020204030204" pitchFamily="34" charset="0"/>
-                      </a:endParaRPr>
-                    </a:p>
-                  </a:txBody>
-                  <a:tcPr marL="19050" marR="19050" marT="19050" marB="0" anchor="b"/>
-                </a:tc>
-                <a:tc>
-                  <a:txBody>
-                    <a:bodyPr/>
-                    <a:lstStyle/>
-                    <a:p>
-                      <a:pPr algn="ctr" fontAlgn="b"/>
-                      <a:r>
-                        <a:rPr lang="en-US" sz="4000" u="none" strike="noStrike" dirty="0">
-                          <a:effectLst/>
-                          <a:latin typeface="Calibri" panose="020F0502020204030204" pitchFamily="34" charset="0"/>
-                          <a:cs typeface="Calibri" panose="020F0502020204030204" pitchFamily="34" charset="0"/>
-                        </a:rPr>
-                        <a:t>85.0824</a:t>
-                      </a:r>
-                      <a:endParaRPr lang="en-US" sz="4000" b="0" i="0" u="none" strike="noStrike" dirty="0">
-                        <a:solidFill>
-                          <a:srgbClr val="000000"/>
-                        </a:solidFill>
-                        <a:effectLst/>
-                        <a:latin typeface="Calibri" panose="020F0502020204030204" pitchFamily="34" charset="0"/>
-                        <a:cs typeface="Calibri" panose="020F0502020204030204" pitchFamily="34" charset="0"/>
-                      </a:endParaRPr>
-                    </a:p>
-                  </a:txBody>
-                  <a:tcPr marL="19050" marR="19050" marT="19050" marB="0" anchor="b"/>
-                </a:tc>
-                <a:tc>
-                  <a:txBody>
-                    <a:bodyPr/>
-                    <a:lstStyle/>
-                    <a:p>
-                      <a:pPr algn="ctr" fontAlgn="b"/>
-                      <a:r>
-                        <a:rPr lang="en-US" sz="4000" u="none" strike="noStrike">
-                          <a:effectLst/>
-                          <a:latin typeface="Calibri" panose="020F0502020204030204" pitchFamily="34" charset="0"/>
-                          <a:cs typeface="Calibri" panose="020F0502020204030204" pitchFamily="34" charset="0"/>
-                        </a:rPr>
-                        <a:t>82.9353</a:t>
-                      </a:r>
-                      <a:endParaRPr lang="en-US" sz="4000" b="0" i="0" u="none" strike="noStrike">
-                        <a:solidFill>
-                          <a:srgbClr val="000000"/>
-                        </a:solidFill>
-                        <a:effectLst/>
-                        <a:latin typeface="Calibri" panose="020F0502020204030204" pitchFamily="34" charset="0"/>
-                        <a:cs typeface="Calibri" panose="020F0502020204030204" pitchFamily="34" charset="0"/>
-                      </a:endParaRPr>
-                    </a:p>
-                  </a:txBody>
-                  <a:tcPr marL="19050" marR="19050" marT="19050" marB="0" anchor="b"/>
-                </a:tc>
-                <a:tc>
-                  <a:txBody>
-                    <a:bodyPr/>
-                    <a:lstStyle/>
-                    <a:p>
-                      <a:pPr algn="ctr" fontAlgn="b"/>
-                      <a:r>
-                        <a:rPr lang="en-US" sz="4000" u="none" strike="noStrike">
-                          <a:effectLst/>
-                          <a:latin typeface="Calibri" panose="020F0502020204030204" pitchFamily="34" charset="0"/>
-                          <a:cs typeface="Calibri" panose="020F0502020204030204" pitchFamily="34" charset="0"/>
-                        </a:rPr>
-                        <a:t>64.7059</a:t>
-                      </a:r>
-                      <a:endParaRPr lang="en-US" sz="4000" b="0" i="0" u="none" strike="noStrike">
-                        <a:solidFill>
-                          <a:srgbClr val="000000"/>
-                        </a:solidFill>
-                        <a:effectLst/>
-                        <a:latin typeface="Calibri" panose="020F0502020204030204" pitchFamily="34" charset="0"/>
-                        <a:cs typeface="Calibri" panose="020F0502020204030204" pitchFamily="34" charset="0"/>
-                      </a:endParaRPr>
-                    </a:p>
-                  </a:txBody>
-                  <a:tcPr marL="19050" marR="19050" marT="19050" marB="0" anchor="b"/>
-                </a:tc>
-                <a:extLst>
-                  <a:ext uri="{0D108BD9-81ED-4DB2-BD59-A6C34878D82A}">
-                    <a16:rowId xmlns:a16="http://schemas.microsoft.com/office/drawing/2014/main" val="738941234"/>
-                  </a:ext>
-                </a:extLst>
-              </a:tr>
-              <a:tr h="1252822">
-                <a:tc>
-                  <a:txBody>
-                    <a:bodyPr/>
-                    <a:lstStyle/>
-                    <a:p>
-                      <a:pPr algn="ctr" fontAlgn="b"/>
-                      <a:r>
-                        <a:rPr lang="en-US" sz="4000" u="none" strike="noStrike">
-                          <a:effectLst/>
-                          <a:latin typeface="Calibri" panose="020F0502020204030204" pitchFamily="34" charset="0"/>
-                          <a:cs typeface="Calibri" panose="020F0502020204030204" pitchFamily="34" charset="0"/>
-                        </a:rPr>
-                        <a:t>scale gamma</a:t>
-                      </a:r>
-                      <a:endParaRPr lang="en-US" sz="4000" b="0" i="0" u="none" strike="noStrike">
-                        <a:solidFill>
-                          <a:srgbClr val="000000"/>
-                        </a:solidFill>
-                        <a:effectLst/>
-                        <a:latin typeface="Calibri" panose="020F0502020204030204" pitchFamily="34" charset="0"/>
-                        <a:cs typeface="Calibri" panose="020F0502020204030204" pitchFamily="34" charset="0"/>
-                      </a:endParaRPr>
-                    </a:p>
-                  </a:txBody>
-                  <a:tcPr marL="19050" marR="19050" marT="19050" marB="0" anchor="b"/>
-                </a:tc>
-                <a:tc>
-                  <a:txBody>
-                    <a:bodyPr/>
-                    <a:lstStyle/>
-                    <a:p>
-                      <a:pPr algn="ctr" fontAlgn="b"/>
-                      <a:r>
-                        <a:rPr lang="en-US" sz="4000" u="none" strike="noStrike">
-                          <a:effectLst/>
-                          <a:latin typeface="Calibri" panose="020F0502020204030204" pitchFamily="34" charset="0"/>
-                          <a:cs typeface="Calibri" panose="020F0502020204030204" pitchFamily="34" charset="0"/>
-                        </a:rPr>
-                        <a:t>72.5294</a:t>
-                      </a:r>
-                      <a:endParaRPr lang="en-US" sz="4000" b="0" i="0" u="none" strike="noStrike">
-                        <a:solidFill>
-                          <a:srgbClr val="000000"/>
-                        </a:solidFill>
-                        <a:effectLst/>
-                        <a:latin typeface="Calibri" panose="020F0502020204030204" pitchFamily="34" charset="0"/>
-                        <a:cs typeface="Calibri" panose="020F0502020204030204" pitchFamily="34" charset="0"/>
-                      </a:endParaRPr>
-                    </a:p>
-                  </a:txBody>
-                  <a:tcPr marL="19050" marR="19050" marT="19050" marB="0" anchor="b"/>
-                </a:tc>
-                <a:tc>
-                  <a:txBody>
-                    <a:bodyPr/>
-                    <a:lstStyle/>
-                    <a:p>
-                      <a:pPr algn="ctr" fontAlgn="b"/>
-                      <a:r>
-                        <a:rPr lang="en-US" sz="4000" u="none" strike="noStrike">
-                          <a:effectLst/>
-                          <a:latin typeface="Calibri" panose="020F0502020204030204" pitchFamily="34" charset="0"/>
-                          <a:cs typeface="Calibri" panose="020F0502020204030204" pitchFamily="34" charset="0"/>
-                        </a:rPr>
-                        <a:t>74.7824</a:t>
-                      </a:r>
-                      <a:endParaRPr lang="en-US" sz="4000" b="0" i="0" u="none" strike="noStrike">
-                        <a:solidFill>
-                          <a:srgbClr val="000000"/>
-                        </a:solidFill>
-                        <a:effectLst/>
-                        <a:latin typeface="Calibri" panose="020F0502020204030204" pitchFamily="34" charset="0"/>
-                        <a:cs typeface="Calibri" panose="020F0502020204030204" pitchFamily="34" charset="0"/>
-                      </a:endParaRPr>
-                    </a:p>
-                  </a:txBody>
-                  <a:tcPr marL="19050" marR="19050" marT="19050" marB="0" anchor="b"/>
-                </a:tc>
-                <a:tc>
-                  <a:txBody>
-                    <a:bodyPr/>
-                    <a:lstStyle/>
-                    <a:p>
-                      <a:pPr algn="ctr" fontAlgn="b"/>
-                      <a:r>
-                        <a:rPr lang="en-US" sz="4000" u="none" strike="noStrike" dirty="0">
-                          <a:effectLst/>
-                          <a:latin typeface="Calibri" panose="020F0502020204030204" pitchFamily="34" charset="0"/>
-                          <a:cs typeface="Calibri" panose="020F0502020204030204" pitchFamily="34" charset="0"/>
-                        </a:rPr>
-                        <a:t>78.4412</a:t>
-                      </a:r>
-                      <a:endParaRPr lang="en-US" sz="4000" b="0" i="0" u="none" strike="noStrike" dirty="0">
-                        <a:solidFill>
-                          <a:srgbClr val="000000"/>
-                        </a:solidFill>
-                        <a:effectLst/>
-                        <a:latin typeface="Calibri" panose="020F0502020204030204" pitchFamily="34" charset="0"/>
-                        <a:cs typeface="Calibri" panose="020F0502020204030204" pitchFamily="34" charset="0"/>
-                      </a:endParaRPr>
-                    </a:p>
-                  </a:txBody>
-                  <a:tcPr marL="19050" marR="19050" marT="19050" marB="0" anchor="b"/>
-                </a:tc>
-                <a:tc>
-                  <a:txBody>
-                    <a:bodyPr/>
-                    <a:lstStyle/>
-                    <a:p>
-                      <a:pPr algn="ctr" fontAlgn="b"/>
-                      <a:r>
-                        <a:rPr lang="en-US" sz="4000" u="none" strike="noStrike">
-                          <a:effectLst/>
-                          <a:latin typeface="Calibri" panose="020F0502020204030204" pitchFamily="34" charset="0"/>
-                          <a:cs typeface="Calibri" panose="020F0502020204030204" pitchFamily="34" charset="0"/>
-                        </a:rPr>
-                        <a:t>85.6882</a:t>
-                      </a:r>
-                      <a:endParaRPr lang="en-US" sz="4000" b="0" i="0" u="none" strike="noStrike">
-                        <a:solidFill>
-                          <a:srgbClr val="000000"/>
-                        </a:solidFill>
-                        <a:effectLst/>
-                        <a:latin typeface="Calibri" panose="020F0502020204030204" pitchFamily="34" charset="0"/>
-                        <a:cs typeface="Calibri" panose="020F0502020204030204" pitchFamily="34" charset="0"/>
-                      </a:endParaRPr>
-                    </a:p>
-                  </a:txBody>
-                  <a:tcPr marL="19050" marR="19050" marT="19050" marB="0" anchor="b"/>
-                </a:tc>
-                <a:tc>
-                  <a:txBody>
-                    <a:bodyPr/>
-                    <a:lstStyle/>
-                    <a:p>
-                      <a:pPr algn="ctr" fontAlgn="b"/>
-                      <a:r>
-                        <a:rPr lang="en-US" sz="4000" u="none" strike="noStrike" dirty="0">
-                          <a:effectLst/>
-                          <a:latin typeface="Calibri" panose="020F0502020204030204" pitchFamily="34" charset="0"/>
-                          <a:cs typeface="Calibri" panose="020F0502020204030204" pitchFamily="34" charset="0"/>
-                        </a:rPr>
-                        <a:t>63.8706</a:t>
-                      </a:r>
-                      <a:endParaRPr lang="en-US" sz="4000" b="0" i="0" u="none" strike="noStrike" dirty="0">
-                        <a:solidFill>
-                          <a:srgbClr val="000000"/>
-                        </a:solidFill>
-                        <a:effectLst/>
-                        <a:latin typeface="Calibri" panose="020F0502020204030204" pitchFamily="34" charset="0"/>
-                        <a:cs typeface="Calibri" panose="020F0502020204030204" pitchFamily="34" charset="0"/>
-                      </a:endParaRPr>
-                    </a:p>
-                  </a:txBody>
-                  <a:tcPr marL="19050" marR="19050" marT="19050" marB="0" anchor="b"/>
-                </a:tc>
-                <a:extLst>
-                  <a:ext uri="{0D108BD9-81ED-4DB2-BD59-A6C34878D82A}">
-                    <a16:rowId xmlns:a16="http://schemas.microsoft.com/office/drawing/2014/main" val="2705976517"/>
-                  </a:ext>
-                </a:extLst>
-              </a:tr>
-            </a:tbl>
-          </a:graphicData>
-        </a:graphic>
-      </p:graphicFrame>
       <p:sp>
         <p:nvSpPr>
           <p:cNvPr id="21" name="TextBox 20">
@@ -4015,8 +3453,8 @@
         </p:nvSpPr>
         <p:spPr>
           <a:xfrm>
-            <a:off x="31915510" y="15321659"/>
-            <a:ext cx="11975690" cy="3785652"/>
+            <a:off x="31915510" y="15778363"/>
+            <a:ext cx="11975690" cy="6247864"/>
           </a:xfrm>
           <a:prstGeom prst="rect">
             <a:avLst/>
@@ -4037,7 +3475,7 @@
           <a:lstStyle/>
           <a:p>
             <a:r>
-              <a:rPr lang="en-US" sz="4000" dirty="0">
+              <a:rPr lang="en-US" sz="5000" dirty="0">
                 <a:solidFill>
                   <a:schemeClr val="bg1"/>
                 </a:solidFill>
@@ -4047,7 +3485,7 @@
           </a:p>
           <a:p>
             <a:r>
-              <a:rPr lang="en-US" sz="4000" dirty="0">
+              <a:rPr lang="en-US" sz="5000" dirty="0">
                 <a:solidFill>
                   <a:schemeClr val="bg1"/>
                 </a:solidFill>
@@ -4057,7 +3495,7 @@
           </a:p>
           <a:p>
             <a:r>
-              <a:rPr lang="en-US" sz="4000" dirty="0">
+              <a:rPr lang="en-US" sz="5000" dirty="0">
                 <a:solidFill>
                   <a:schemeClr val="bg1"/>
                 </a:solidFill>
@@ -4067,7 +3505,7 @@
           </a:p>
           <a:p>
             <a:r>
-              <a:rPr lang="en-US" sz="4000" dirty="0">
+              <a:rPr lang="en-US" sz="5000" dirty="0">
                 <a:solidFill>
                   <a:schemeClr val="bg1"/>
                 </a:solidFill>
@@ -4081,7 +3519,7 @@
               <a:buChar char="•"/>
             </a:pPr>
             <a:r>
-              <a:rPr lang="en-US" sz="4000" dirty="0">
+              <a:rPr lang="en-US" sz="5000" dirty="0">
                 <a:solidFill>
                   <a:schemeClr val="bg1"/>
                 </a:solidFill>
@@ -4095,7 +3533,7 @@
               <a:buChar char="•"/>
             </a:pPr>
             <a:r>
-              <a:rPr lang="en-US" sz="4000" dirty="0">
+              <a:rPr lang="en-US" sz="5000" dirty="0">
                 <a:solidFill>
                   <a:schemeClr val="bg1"/>
                 </a:solidFill>
@@ -4127,7 +3565,7 @@
         </p:blipFill>
         <p:spPr>
           <a:xfrm>
-            <a:off x="31834610" y="9672114"/>
+            <a:off x="31913158" y="10721866"/>
             <a:ext cx="11975694" cy="4243582"/>
           </a:xfrm>
           <a:prstGeom prst="rect">
@@ -4400,10 +3838,10 @@
       </p:sp>
       <p:pic>
         <p:nvPicPr>
-          <p:cNvPr id="7" name="Picture 6" descr="A person wearing glasses and smiling at the camera&#10;&#10;Description automatically generated">
+          <p:cNvPr id="29" name="Picture 28" descr="A picture containing man&#10;&#10;Description automatically generated">
             <a:extLst>
               <a:ext uri="{FF2B5EF4-FFF2-40B4-BE49-F238E27FC236}">
-                <a16:creationId xmlns:a16="http://schemas.microsoft.com/office/drawing/2014/main" id="{C9FCA218-F2B9-FC46-9ED4-D9545B000A04}"/>
+                <a16:creationId xmlns:a16="http://schemas.microsoft.com/office/drawing/2014/main" id="{CCF86AC9-3DD7-474C-8A23-3CBA9143F40F}"/>
               </a:ext>
             </a:extLst>
           </p:cNvPr>
@@ -4420,67 +3858,7 @@
         </p:blipFill>
         <p:spPr>
           <a:xfrm>
-            <a:off x="39165630" y="20277731"/>
-            <a:ext cx="4282440" cy="9342064"/>
-          </a:xfrm>
-          <a:prstGeom prst="rect">
-            <a:avLst/>
-          </a:prstGeom>
-        </p:spPr>
-      </p:pic>
-      <p:pic>
-        <p:nvPicPr>
-          <p:cNvPr id="19" name="Picture 18" descr="A person wearing glasses and smiling at the camera&#10;&#10;Description automatically generated">
-            <a:extLst>
-              <a:ext uri="{FF2B5EF4-FFF2-40B4-BE49-F238E27FC236}">
-                <a16:creationId xmlns:a16="http://schemas.microsoft.com/office/drawing/2014/main" id="{B5115F2A-6D0D-FD43-A283-35F585A5B495}"/>
-              </a:ext>
-            </a:extLst>
-          </p:cNvPr>
-          <p:cNvPicPr>
-            <a:picLocks noChangeAspect="1"/>
-          </p:cNvPicPr>
-          <p:nvPr/>
-        </p:nvPicPr>
-        <p:blipFill>
-          <a:blip r:embed="rId13"/>
-          <a:stretch>
-            <a:fillRect/>
-          </a:stretch>
-        </p:blipFill>
-        <p:spPr>
-          <a:xfrm>
-            <a:off x="33484954" y="20206769"/>
-            <a:ext cx="4283863" cy="9345168"/>
-          </a:xfrm>
-          <a:prstGeom prst="rect">
-            <a:avLst/>
-          </a:prstGeom>
-        </p:spPr>
-      </p:pic>
-      <p:pic>
-        <p:nvPicPr>
-          <p:cNvPr id="29" name="Picture 28" descr="A picture containing man&#10;&#10;Description automatically generated">
-            <a:extLst>
-              <a:ext uri="{FF2B5EF4-FFF2-40B4-BE49-F238E27FC236}">
-                <a16:creationId xmlns:a16="http://schemas.microsoft.com/office/drawing/2014/main" id="{CCF86AC9-3DD7-474C-8A23-3CBA9143F40F}"/>
-              </a:ext>
-            </a:extLst>
-          </p:cNvPr>
-          <p:cNvPicPr>
-            <a:picLocks noChangeAspect="1"/>
-          </p:cNvPicPr>
-          <p:nvPr/>
-        </p:nvPicPr>
-        <p:blipFill>
-          <a:blip r:embed="rId14"/>
-          <a:stretch>
-            <a:fillRect/>
-          </a:stretch>
-        </p:blipFill>
-        <p:spPr>
-          <a:xfrm>
-            <a:off x="18902284" y="22763108"/>
+            <a:off x="29151781" y="22763108"/>
             <a:ext cx="14582670" cy="7280783"/>
           </a:xfrm>
           <a:prstGeom prst="rect">
